--- a/series2/week4/DerivativeBasics.pptx
+++ b/series2/week4/DerivativeBasics.pptx
@@ -223,7 +223,7 @@
           <a:p>
             <a:fld id="{DC1489BD-80D8-044E-B489-6491FE1C3B4A}" type="datetimeFigureOut">
               <a:rPr lang="en-US" smtClean="0"/>
-              <a:t>8/31/18</a:t>
+              <a:t>11/16/18</a:t>
             </a:fld>
             <a:endParaRPr lang="en-US"/>
           </a:p>
@@ -960,10 +960,7 @@
           <a:bodyPr/>
           <a:lstStyle/>
           <a:p>
-            <a:r>
-              <a:rPr lang="en-US" dirty="0"/>
-              <a:t>The computation of a neural network is organized around two steps- First step is left to right to calculate the value of the network and then a backward propagation to calculate gradients or derivatives. But why this is so?</a:t>
-            </a:r>
+            <a:endParaRPr lang="en-US" dirty="0"/>
           </a:p>
         </p:txBody>
       </p:sp>
@@ -2035,7 +2032,7 @@
           <a:p>
             <a:fld id="{DEFBAF91-23A8-144B-A1B7-82C79B923880}" type="datetimeFigureOut">
               <a:rPr lang="en-US" smtClean="0"/>
-              <a:t>8/31/18</a:t>
+              <a:t>11/16/18</a:t>
             </a:fld>
             <a:endParaRPr lang="en-US"/>
           </a:p>
@@ -2233,7 +2230,7 @@
           <a:p>
             <a:fld id="{DEFBAF91-23A8-144B-A1B7-82C79B923880}" type="datetimeFigureOut">
               <a:rPr lang="en-US" smtClean="0"/>
-              <a:t>8/31/18</a:t>
+              <a:t>11/16/18</a:t>
             </a:fld>
             <a:endParaRPr lang="en-US"/>
           </a:p>
@@ -2441,7 +2438,7 @@
           <a:p>
             <a:fld id="{DEFBAF91-23A8-144B-A1B7-82C79B923880}" type="datetimeFigureOut">
               <a:rPr lang="en-US" smtClean="0"/>
-              <a:t>8/31/18</a:t>
+              <a:t>11/16/18</a:t>
             </a:fld>
             <a:endParaRPr lang="en-US"/>
           </a:p>
@@ -2639,7 +2636,7 @@
           <a:p>
             <a:fld id="{DEFBAF91-23A8-144B-A1B7-82C79B923880}" type="datetimeFigureOut">
               <a:rPr lang="en-US" smtClean="0"/>
-              <a:t>8/31/18</a:t>
+              <a:t>11/16/18</a:t>
             </a:fld>
             <a:endParaRPr lang="en-US"/>
           </a:p>
@@ -2914,7 +2911,7 @@
           <a:p>
             <a:fld id="{DEFBAF91-23A8-144B-A1B7-82C79B923880}" type="datetimeFigureOut">
               <a:rPr lang="en-US" smtClean="0"/>
-              <a:t>8/31/18</a:t>
+              <a:t>11/16/18</a:t>
             </a:fld>
             <a:endParaRPr lang="en-US"/>
           </a:p>
@@ -3179,7 +3176,7 @@
           <a:p>
             <a:fld id="{DEFBAF91-23A8-144B-A1B7-82C79B923880}" type="datetimeFigureOut">
               <a:rPr lang="en-US" smtClean="0"/>
-              <a:t>8/31/18</a:t>
+              <a:t>11/16/18</a:t>
             </a:fld>
             <a:endParaRPr lang="en-US"/>
           </a:p>
@@ -3591,7 +3588,7 @@
           <a:p>
             <a:fld id="{DEFBAF91-23A8-144B-A1B7-82C79B923880}" type="datetimeFigureOut">
               <a:rPr lang="en-US" smtClean="0"/>
-              <a:t>8/31/18</a:t>
+              <a:t>11/16/18</a:t>
             </a:fld>
             <a:endParaRPr lang="en-US"/>
           </a:p>
@@ -3732,7 +3729,7 @@
           <a:p>
             <a:fld id="{DEFBAF91-23A8-144B-A1B7-82C79B923880}" type="datetimeFigureOut">
               <a:rPr lang="en-US" smtClean="0"/>
-              <a:t>8/31/18</a:t>
+              <a:t>11/16/18</a:t>
             </a:fld>
             <a:endParaRPr lang="en-US"/>
           </a:p>
@@ -3845,7 +3842,7 @@
           <a:p>
             <a:fld id="{DEFBAF91-23A8-144B-A1B7-82C79B923880}" type="datetimeFigureOut">
               <a:rPr lang="en-US" smtClean="0"/>
-              <a:t>8/31/18</a:t>
+              <a:t>11/16/18</a:t>
             </a:fld>
             <a:endParaRPr lang="en-US"/>
           </a:p>
@@ -4156,7 +4153,7 @@
           <a:p>
             <a:fld id="{DEFBAF91-23A8-144B-A1B7-82C79B923880}" type="datetimeFigureOut">
               <a:rPr lang="en-US" smtClean="0"/>
-              <a:t>8/31/18</a:t>
+              <a:t>11/16/18</a:t>
             </a:fld>
             <a:endParaRPr lang="en-US"/>
           </a:p>
@@ -4444,7 +4441,7 @@
           <a:p>
             <a:fld id="{DEFBAF91-23A8-144B-A1B7-82C79B923880}" type="datetimeFigureOut">
               <a:rPr lang="en-US" smtClean="0"/>
-              <a:t>8/31/18</a:t>
+              <a:t>11/16/18</a:t>
             </a:fld>
             <a:endParaRPr lang="en-US"/>
           </a:p>
@@ -4685,7 +4682,7 @@
           <a:p>
             <a:fld id="{DEFBAF91-23A8-144B-A1B7-82C79B923880}" type="datetimeFigureOut">
               <a:rPr lang="en-US" smtClean="0"/>
-              <a:t>8/31/18</a:t>
+              <a:t>11/16/18</a:t>
             </a:fld>
             <a:endParaRPr lang="en-US"/>
           </a:p>
